--- a/Presentación Proyecto.pptx
+++ b/Presentación Proyecto.pptx
@@ -5,7 +5,7 @@
     <p:sldMasterId id="2147483648" r:id="rId1"/>
   </p:sldMasterIdLst>
   <p:notesMasterIdLst>
-    <p:notesMasterId r:id="rId11"/>
+    <p:notesMasterId r:id="rId12"/>
   </p:notesMasterIdLst>
   <p:sldIdLst>
     <p:sldId id="256" r:id="rId2"/>
@@ -15,8 +15,9 @@
     <p:sldId id="260" r:id="rId6"/>
     <p:sldId id="261" r:id="rId7"/>
     <p:sldId id="262" r:id="rId8"/>
-    <p:sldId id="263" r:id="rId9"/>
-    <p:sldId id="265" r:id="rId10"/>
+    <p:sldId id="266" r:id="rId9"/>
+    <p:sldId id="263" r:id="rId10"/>
+    <p:sldId id="265" r:id="rId11"/>
   </p:sldIdLst>
   <p:sldSz cx="12192000" cy="6858000"/>
   <p:notesSz cx="6858000" cy="9144000"/>
@@ -265,7 +266,7 @@
       </p15:sldGuideLst>
     </p:ext>
     <p:ext uri="http://customooxmlschemas.google.com/">
-      <go:slidesCustomData xmlns:go="http://customooxmlschemas.google.com/" xmlns:ahyp="http://schemas.microsoft.com/office/drawing/2018/hyperlinkcolor" xmlns:p15="http://schemas.microsoft.com/office/powerpoint/2012/main" xmlns:p14="http://schemas.microsoft.com/office/powerpoint/2010/main" xmlns:com="http://schemas.openxmlformats.org/drawingml/2006/compatibility" xmlns:pvml="urn:schemas-microsoft-com:office:powerpoint" xmlns:v="urn:schemas-microsoft-com:vml" xmlns:o="urn:schemas-microsoft-com:office:office" xmlns:dgm="http://schemas.openxmlformats.org/drawingml/2006/diagram" xmlns:c="http://schemas.openxmlformats.org/drawingml/2006/chart" xmlns:mv="urn:schemas-microsoft-com:mac:vml" xmlns:mc="http://schemas.openxmlformats.org/markup-compatibility/2006" xmlns="" r:id="rId16" roundtripDataSignature="AMtx7mgXTosZZ5ZdrE07+cCHG9zyVo29HQ=="/>
+      <go:slidesCustomData xmlns="" xmlns:mc="http://schemas.openxmlformats.org/markup-compatibility/2006" xmlns:mv="urn:schemas-microsoft-com:mac:vml" xmlns:c="http://schemas.openxmlformats.org/drawingml/2006/chart" xmlns:dgm="http://schemas.openxmlformats.org/drawingml/2006/diagram" xmlns:o="urn:schemas-microsoft-com:office:office" xmlns:v="urn:schemas-microsoft-com:vml" xmlns:pvml="urn:schemas-microsoft-com:office:powerpoint" xmlns:com="http://schemas.openxmlformats.org/drawingml/2006/compatibility" xmlns:p14="http://schemas.microsoft.com/office/powerpoint/2010/main" xmlns:p15="http://schemas.microsoft.com/office/powerpoint/2012/main" xmlns:ahyp="http://schemas.microsoft.com/office/drawing/2018/hyperlinkcolor" xmlns:go="http://customooxmlschemas.google.com/" r:id="rId16" roundtripDataSignature="AMtx7mgXTosZZ5ZdrE07+cCHG9zyVo29HQ=="/>
     </p:ext>
   </p:extLst>
 </p:presentation>
@@ -2566,7 +2567,7 @@
             </a:pPr>
             <a:fld id="{00000000-1234-1234-1234-123412341234}" type="slidenum">
               <a:rPr lang="es-CO"/>
-              <a:t>9</a:t>
+              <a:t>10</a:t>
             </a:fld>
             <a:endParaRPr/>
           </a:p>
@@ -12628,6 +12629,319 @@
 </p:sld>
 </file>
 
+<file path=ppt/slides/slide10.xml><?xml version="1.0" encoding="utf-8"?>
+<p:sld xmlns:a="http://schemas.openxmlformats.org/drawingml/2006/main" xmlns:r="http://schemas.openxmlformats.org/officeDocument/2006/relationships" xmlns:p="http://schemas.openxmlformats.org/presentationml/2006/main">
+  <p:cSld>
+    <p:bg>
+      <p:bgPr>
+        <a:solidFill>
+          <a:schemeClr val="lt1"/>
+        </a:solidFill>
+        <a:effectLst/>
+      </p:bgPr>
+    </p:bg>
+    <p:spTree>
+      <p:nvGrpSpPr>
+        <p:cNvPr id="1" name="Shape 199"/>
+        <p:cNvGrpSpPr/>
+        <p:nvPr/>
+      </p:nvGrpSpPr>
+      <p:grpSpPr>
+        <a:xfrm>
+          <a:off x="0" y="0"/>
+          <a:ext cx="0" cy="0"/>
+          <a:chOff x="0" y="0"/>
+          <a:chExt cx="0" cy="0"/>
+        </a:xfrm>
+      </p:grpSpPr>
+      <p:sp>
+        <p:nvSpPr>
+          <p:cNvPr id="200" name="Google Shape;200;p11"/>
+          <p:cNvSpPr/>
+          <p:nvPr/>
+        </p:nvSpPr>
+        <p:spPr>
+          <a:xfrm>
+            <a:off x="0" y="-1"/>
+            <a:ext cx="12192000" cy="6858001"/>
+          </a:xfrm>
+          <a:prstGeom prst="rect">
+            <a:avLst/>
+          </a:prstGeom>
+          <a:solidFill>
+            <a:schemeClr val="lt1"/>
+          </a:solidFill>
+          <a:ln>
+            <a:noFill/>
+          </a:ln>
+        </p:spPr>
+        <p:txBody>
+          <a:bodyPr spcFirstLastPara="1" wrap="square" lIns="91425" tIns="45700" rIns="91425" bIns="45700" anchor="ctr" anchorCtr="0">
+            <a:noAutofit/>
+          </a:bodyPr>
+          <a:lstStyle/>
+          <a:p>
+            <a:pPr marL="0" marR="0" lvl="0" indent="0" algn="ctr" rtl="0">
+              <a:spcBef>
+                <a:spcPts val="0"/>
+              </a:spcBef>
+              <a:spcAft>
+                <a:spcPts val="0"/>
+              </a:spcAft>
+              <a:buNone/>
+            </a:pPr>
+            <a:endParaRPr sz="1800" b="0" i="0" u="none" strike="noStrike" cap="none">
+              <a:solidFill>
+                <a:schemeClr val="lt1"/>
+              </a:solidFill>
+              <a:latin typeface="Rockwell"/>
+              <a:ea typeface="Rockwell"/>
+              <a:cs typeface="Rockwell"/>
+              <a:sym typeface="Rockwell"/>
+            </a:endParaRPr>
+          </a:p>
+        </p:txBody>
+      </p:sp>
+      <p:pic>
+        <p:nvPicPr>
+          <p:cNvPr id="201" name="Google Shape;201;p11" descr="Aguacates y pimientos en una tabla de cortar"/>
+          <p:cNvPicPr preferRelativeResize="0"/>
+          <p:nvPr/>
+        </p:nvPicPr>
+        <p:blipFill rotWithShape="1">
+          <a:blip r:embed="rId3">
+            <a:alphaModFix/>
+          </a:blip>
+          <a:srcRect/>
+          <a:stretch/>
+        </p:blipFill>
+        <p:spPr>
+          <a:xfrm>
+            <a:off x="20" y="10"/>
+            <a:ext cx="12191980" cy="6857989"/>
+          </a:xfrm>
+          <a:prstGeom prst="rect">
+            <a:avLst/>
+          </a:prstGeom>
+          <a:noFill/>
+          <a:ln>
+            <a:noFill/>
+          </a:ln>
+        </p:spPr>
+      </p:pic>
+      <p:sp>
+        <p:nvSpPr>
+          <p:cNvPr id="202" name="Google Shape;202;p11"/>
+          <p:cNvSpPr/>
+          <p:nvPr/>
+        </p:nvSpPr>
+        <p:spPr>
+          <a:xfrm>
+            <a:off x="0" y="1"/>
+            <a:ext cx="12192000" cy="6857999"/>
+          </a:xfrm>
+          <a:prstGeom prst="rect">
+            <a:avLst/>
+          </a:prstGeom>
+          <a:solidFill>
+            <a:schemeClr val="dk1">
+              <a:alpha val="20000"/>
+            </a:schemeClr>
+          </a:solidFill>
+          <a:ln>
+            <a:noFill/>
+          </a:ln>
+        </p:spPr>
+        <p:txBody>
+          <a:bodyPr spcFirstLastPara="1" wrap="square" lIns="91425" tIns="45700" rIns="91425" bIns="45700" anchor="ctr" anchorCtr="0">
+            <a:noAutofit/>
+          </a:bodyPr>
+          <a:lstStyle/>
+          <a:p>
+            <a:pPr marL="0" marR="0" lvl="0" indent="0" algn="ctr" rtl="0">
+              <a:spcBef>
+                <a:spcPts val="0"/>
+              </a:spcBef>
+              <a:spcAft>
+                <a:spcPts val="0"/>
+              </a:spcAft>
+              <a:buNone/>
+            </a:pPr>
+            <a:endParaRPr sz="1800" b="0" i="0" u="none" strike="noStrike" cap="none">
+              <a:solidFill>
+                <a:schemeClr val="lt1"/>
+              </a:solidFill>
+              <a:latin typeface="Rockwell"/>
+              <a:ea typeface="Rockwell"/>
+              <a:cs typeface="Rockwell"/>
+              <a:sym typeface="Rockwell"/>
+            </a:endParaRPr>
+          </a:p>
+        </p:txBody>
+      </p:sp>
+      <p:sp>
+        <p:nvSpPr>
+          <p:cNvPr id="203" name="Google Shape;203;p11"/>
+          <p:cNvSpPr/>
+          <p:nvPr/>
+        </p:nvSpPr>
+        <p:spPr>
+          <a:xfrm>
+            <a:off x="1524" y="0"/>
+            <a:ext cx="12188952" cy="6858000"/>
+          </a:xfrm>
+          <a:prstGeom prst="rect">
+            <a:avLst/>
+          </a:prstGeom>
+          <a:blipFill rotWithShape="1">
+            <a:blip r:embed="rId4">
+              <a:alphaModFix amt="30000"/>
+            </a:blip>
+            <a:tile tx="0" ty="-762000" sx="92000" sy="89000" flip="xy" algn="ctr"/>
+          </a:blipFill>
+          <a:ln>
+            <a:noFill/>
+          </a:ln>
+        </p:spPr>
+        <p:txBody>
+          <a:bodyPr spcFirstLastPara="1" wrap="square" lIns="91425" tIns="45700" rIns="91425" bIns="45700" anchor="ctr" anchorCtr="0">
+            <a:noAutofit/>
+          </a:bodyPr>
+          <a:lstStyle/>
+          <a:p>
+            <a:pPr marL="0" marR="0" lvl="0" indent="0" algn="ctr" rtl="0">
+              <a:spcBef>
+                <a:spcPts val="0"/>
+              </a:spcBef>
+              <a:spcAft>
+                <a:spcPts val="0"/>
+              </a:spcAft>
+              <a:buNone/>
+            </a:pPr>
+            <a:endParaRPr sz="1800" b="0" i="0" u="none" strike="noStrike" cap="none">
+              <a:solidFill>
+                <a:schemeClr val="lt1"/>
+              </a:solidFill>
+              <a:latin typeface="Rockwell"/>
+              <a:ea typeface="Rockwell"/>
+              <a:cs typeface="Rockwell"/>
+              <a:sym typeface="Rockwell"/>
+            </a:endParaRPr>
+          </a:p>
+        </p:txBody>
+      </p:sp>
+      <p:sp>
+        <p:nvSpPr>
+          <p:cNvPr id="204" name="Google Shape;204;p11"/>
+          <p:cNvSpPr txBox="1">
+            <a:spLocks noGrp="1"/>
+          </p:cNvSpPr>
+          <p:nvPr>
+            <p:ph type="ctrTitle"/>
+          </p:nvPr>
+        </p:nvSpPr>
+        <p:spPr>
+          <a:xfrm>
+            <a:off x="1051560" y="1432223"/>
+            <a:ext cx="9966960" cy="3035808"/>
+          </a:xfrm>
+          <a:prstGeom prst="rect">
+            <a:avLst/>
+          </a:prstGeom>
+          <a:noFill/>
+          <a:ln>
+            <a:noFill/>
+          </a:ln>
+        </p:spPr>
+        <p:txBody>
+          <a:bodyPr spcFirstLastPara="1" wrap="square" lIns="91425" tIns="45700" rIns="91425" bIns="45700" anchor="b" anchorCtr="0">
+            <a:normAutofit/>
+          </a:bodyPr>
+          <a:lstStyle/>
+          <a:p>
+            <a:pPr marL="0" lvl="0" indent="0" algn="l" rtl="0">
+              <a:lnSpc>
+                <a:spcPct val="80000"/>
+              </a:lnSpc>
+              <a:spcBef>
+                <a:spcPts val="0"/>
+              </a:spcBef>
+              <a:spcAft>
+                <a:spcPts val="0"/>
+              </a:spcAft>
+              <a:buClr>
+                <a:srgbClr val="FFFFFF"/>
+              </a:buClr>
+              <a:buSzPts val="9600"/>
+              <a:buFont typeface="Rockwell"/>
+              <a:buNone/>
+            </a:pPr>
+            <a:r>
+              <a:rPr lang="es-CO">
+                <a:solidFill>
+                  <a:srgbClr val="FFFFFF"/>
+                </a:solidFill>
+              </a:rPr>
+              <a:t>GRACIAS</a:t>
+            </a:r>
+            <a:endParaRPr/>
+          </a:p>
+        </p:txBody>
+      </p:sp>
+      <p:sp>
+        <p:nvSpPr>
+          <p:cNvPr id="205" name="Google Shape;205;p11"/>
+          <p:cNvSpPr txBox="1">
+            <a:spLocks noGrp="1"/>
+          </p:cNvSpPr>
+          <p:nvPr>
+            <p:ph type="subTitle" idx="1"/>
+          </p:nvPr>
+        </p:nvSpPr>
+        <p:spPr>
+          <a:xfrm>
+            <a:off x="1069848" y="4389120"/>
+            <a:ext cx="7891272" cy="1069848"/>
+          </a:xfrm>
+          <a:prstGeom prst="rect">
+            <a:avLst/>
+          </a:prstGeom>
+          <a:noFill/>
+          <a:ln>
+            <a:noFill/>
+          </a:ln>
+        </p:spPr>
+        <p:txBody>
+          <a:bodyPr spcFirstLastPara="1" wrap="square" lIns="91425" tIns="45700" rIns="91425" bIns="45700" anchor="t" anchorCtr="0">
+            <a:normAutofit/>
+          </a:bodyPr>
+          <a:lstStyle/>
+          <a:p>
+            <a:pPr marL="0" lvl="0" indent="0" algn="l" rtl="0">
+              <a:lnSpc>
+                <a:spcPct val="90000"/>
+              </a:lnSpc>
+              <a:spcBef>
+                <a:spcPts val="0"/>
+              </a:spcBef>
+              <a:spcAft>
+                <a:spcPts val="0"/>
+              </a:spcAft>
+              <a:buSzPts val="1870"/>
+              <a:buNone/>
+            </a:pPr>
+            <a:endParaRPr/>
+          </a:p>
+        </p:txBody>
+      </p:sp>
+    </p:spTree>
+  </p:cSld>
+  <p:clrMapOvr>
+    <a:masterClrMapping/>
+  </p:clrMapOvr>
+</p:sld>
+</file>
+
 <file path=ppt/slides/slide2.xml><?xml version="1.0" encoding="utf-8"?>
 <p:sld xmlns:a="http://schemas.openxmlformats.org/drawingml/2006/main" xmlns:r="http://schemas.openxmlformats.org/officeDocument/2006/relationships" xmlns:p="http://schemas.openxmlformats.org/presentationml/2006/main">
   <p:cSld>
@@ -14673,6 +14987,210 @@
   <p:cSld>
     <p:spTree>
       <p:nvGrpSpPr>
+        <p:cNvPr id="1" name=""/>
+        <p:cNvGrpSpPr/>
+        <p:nvPr/>
+      </p:nvGrpSpPr>
+      <p:grpSpPr>
+        <a:xfrm>
+          <a:off x="0" y="0"/>
+          <a:ext cx="0" cy="0"/>
+          <a:chOff x="0" y="0"/>
+          <a:chExt cx="0" cy="0"/>
+        </a:xfrm>
+      </p:grpSpPr>
+      <p:sp>
+        <p:nvSpPr>
+          <p:cNvPr id="2" name="Título 1"/>
+          <p:cNvSpPr>
+            <a:spLocks noGrp="1"/>
+          </p:cNvSpPr>
+          <p:nvPr>
+            <p:ph type="title"/>
+          </p:nvPr>
+        </p:nvSpPr>
+        <p:spPr/>
+        <p:txBody>
+          <a:bodyPr/>
+          <a:lstStyle/>
+          <a:p>
+            <a:r>
+              <a:rPr lang="en-US" dirty="0" err="1"/>
+              <a:t>Tecnologías</a:t>
+            </a:r>
+            <a:r>
+              <a:rPr lang="en-US" dirty="0"/>
+              <a:t> </a:t>
+            </a:r>
+            <a:r>
+              <a:rPr lang="en-US" dirty="0" err="1"/>
+              <a:t>usadas</a:t>
+            </a:r>
+            <a:r>
+              <a:rPr lang="en-US" dirty="0"/>
+              <a:t/>
+            </a:r>
+            <a:br>
+              <a:rPr lang="en-US" dirty="0"/>
+            </a:br>
+            <a:endParaRPr lang="en-US" dirty="0"/>
+          </a:p>
+        </p:txBody>
+      </p:sp>
+      <p:sp>
+        <p:nvSpPr>
+          <p:cNvPr id="3" name="Marcador de texto 2"/>
+          <p:cNvSpPr>
+            <a:spLocks noGrp="1"/>
+          </p:cNvSpPr>
+          <p:nvPr>
+            <p:ph type="body" idx="1"/>
+          </p:nvPr>
+        </p:nvSpPr>
+        <p:spPr>
+          <a:xfrm>
+            <a:off x="6685319" y="2093976"/>
+            <a:ext cx="4442929" cy="4050792"/>
+          </a:xfrm>
+        </p:spPr>
+        <p:txBody>
+          <a:bodyPr/>
+          <a:lstStyle/>
+          <a:p>
+            <a:r>
+              <a:rPr lang="es-CO" dirty="0" err="1" smtClean="0"/>
+              <a:t>Firebase</a:t>
+            </a:r>
+            <a:r>
+              <a:rPr lang="es-CO" dirty="0" smtClean="0"/>
+              <a:t> </a:t>
+            </a:r>
+            <a:endParaRPr lang="en-US" dirty="0"/>
+          </a:p>
+        </p:txBody>
+      </p:sp>
+      <p:sp>
+        <p:nvSpPr>
+          <p:cNvPr id="4" name="Marcador de número de diapositiva 3"/>
+          <p:cNvSpPr>
+            <a:spLocks noGrp="1"/>
+          </p:cNvSpPr>
+          <p:nvPr>
+            <p:ph type="sldNum" idx="12"/>
+          </p:nvPr>
+        </p:nvSpPr>
+        <p:spPr/>
+        <p:txBody>
+          <a:bodyPr/>
+          <a:lstStyle/>
+          <a:p>
+            <a:pPr marL="0" lvl="0" indent="0" algn="ctr" rtl="0">
+              <a:spcBef>
+                <a:spcPts val="0"/>
+              </a:spcBef>
+              <a:spcAft>
+                <a:spcPts val="0"/>
+              </a:spcAft>
+              <a:buNone/>
+            </a:pPr>
+            <a:fld id="{00000000-1234-1234-1234-123412341234}" type="slidenum">
+              <a:rPr lang="es-CO" smtClean="0"/>
+              <a:t>8</a:t>
+            </a:fld>
+            <a:endParaRPr lang="es-CO"/>
+          </a:p>
+        </p:txBody>
+      </p:sp>
+      <p:pic>
+        <p:nvPicPr>
+          <p:cNvPr id="5" name="Imagen 4"/>
+          <p:cNvPicPr>
+            <a:picLocks noChangeAspect="1"/>
+          </p:cNvPicPr>
+          <p:nvPr/>
+        </p:nvPicPr>
+        <p:blipFill>
+          <a:blip r:embed="rId2"/>
+          <a:stretch>
+            <a:fillRect/>
+          </a:stretch>
+        </p:blipFill>
+        <p:spPr>
+          <a:xfrm>
+            <a:off x="544152" y="2093976"/>
+            <a:ext cx="4438273" cy="4054191"/>
+          </a:xfrm>
+          <a:prstGeom prst="rect">
+            <a:avLst/>
+          </a:prstGeom>
+        </p:spPr>
+      </p:pic>
+      <p:pic>
+        <p:nvPicPr>
+          <p:cNvPr id="7" name="Imagen 6"/>
+          <p:cNvPicPr>
+            <a:picLocks noChangeAspect="1"/>
+          </p:cNvPicPr>
+          <p:nvPr/>
+        </p:nvPicPr>
+        <p:blipFill>
+          <a:blip r:embed="rId3"/>
+          <a:stretch>
+            <a:fillRect/>
+          </a:stretch>
+        </p:blipFill>
+        <p:spPr>
+          <a:xfrm>
+            <a:off x="755909" y="2863772"/>
+            <a:ext cx="4226516" cy="2675382"/>
+          </a:xfrm>
+          <a:prstGeom prst="rect">
+            <a:avLst/>
+          </a:prstGeom>
+        </p:spPr>
+      </p:pic>
+      <p:pic>
+        <p:nvPicPr>
+          <p:cNvPr id="8" name="Imagen 7"/>
+          <p:cNvPicPr>
+            <a:picLocks noChangeAspect="1"/>
+          </p:cNvPicPr>
+          <p:nvPr/>
+        </p:nvPicPr>
+        <p:blipFill>
+          <a:blip r:embed="rId4"/>
+          <a:stretch>
+            <a:fillRect/>
+          </a:stretch>
+        </p:blipFill>
+        <p:spPr>
+          <a:xfrm>
+            <a:off x="6262125" y="2862072"/>
+            <a:ext cx="5369043" cy="2514600"/>
+          </a:xfrm>
+          <a:prstGeom prst="rect">
+            <a:avLst/>
+          </a:prstGeom>
+        </p:spPr>
+      </p:pic>
+    </p:spTree>
+    <p:extLst>
+      <p:ext uri="{BB962C8B-B14F-4D97-AF65-F5344CB8AC3E}">
+        <p14:creationId xmlns:p14="http://schemas.microsoft.com/office/powerpoint/2010/main" val="2934302037"/>
+      </p:ext>
+    </p:extLst>
+  </p:cSld>
+  <p:clrMapOvr>
+    <a:masterClrMapping/>
+  </p:clrMapOvr>
+</p:sld>
+</file>
+
+<file path=ppt/slides/slide9.xml><?xml version="1.0" encoding="utf-8"?>
+<p:sld xmlns:a="http://schemas.openxmlformats.org/drawingml/2006/main" xmlns:r="http://schemas.openxmlformats.org/officeDocument/2006/relationships" xmlns:p="http://schemas.openxmlformats.org/presentationml/2006/main">
+  <p:cSld>
+    <p:spTree>
+      <p:nvGrpSpPr>
         <p:cNvPr id="1" name="Shape 183"/>
         <p:cNvGrpSpPr/>
         <p:nvPr/>
@@ -14776,7 +15294,7 @@
             </a:pPr>
             <a:fld id="{00000000-1234-1234-1234-123412341234}" type="slidenum">
               <a:rPr lang="es-CO"/>
-              <a:t>8</a:t>
+              <a:t>9</a:t>
             </a:fld>
             <a:endParaRPr/>
           </a:p>
@@ -14813,319 +15331,6 @@
           </a:ln>
         </p:spPr>
       </p:pic>
-    </p:spTree>
-  </p:cSld>
-  <p:clrMapOvr>
-    <a:masterClrMapping/>
-  </p:clrMapOvr>
-</p:sld>
-</file>
-
-<file path=ppt/slides/slide9.xml><?xml version="1.0" encoding="utf-8"?>
-<p:sld xmlns:a="http://schemas.openxmlformats.org/drawingml/2006/main" xmlns:r="http://schemas.openxmlformats.org/officeDocument/2006/relationships" xmlns:p="http://schemas.openxmlformats.org/presentationml/2006/main">
-  <p:cSld>
-    <p:bg>
-      <p:bgPr>
-        <a:solidFill>
-          <a:schemeClr val="lt1"/>
-        </a:solidFill>
-        <a:effectLst/>
-      </p:bgPr>
-    </p:bg>
-    <p:spTree>
-      <p:nvGrpSpPr>
-        <p:cNvPr id="1" name="Shape 199"/>
-        <p:cNvGrpSpPr/>
-        <p:nvPr/>
-      </p:nvGrpSpPr>
-      <p:grpSpPr>
-        <a:xfrm>
-          <a:off x="0" y="0"/>
-          <a:ext cx="0" cy="0"/>
-          <a:chOff x="0" y="0"/>
-          <a:chExt cx="0" cy="0"/>
-        </a:xfrm>
-      </p:grpSpPr>
-      <p:sp>
-        <p:nvSpPr>
-          <p:cNvPr id="200" name="Google Shape;200;p11"/>
-          <p:cNvSpPr/>
-          <p:nvPr/>
-        </p:nvSpPr>
-        <p:spPr>
-          <a:xfrm>
-            <a:off x="0" y="-1"/>
-            <a:ext cx="12192000" cy="6858001"/>
-          </a:xfrm>
-          <a:prstGeom prst="rect">
-            <a:avLst/>
-          </a:prstGeom>
-          <a:solidFill>
-            <a:schemeClr val="lt1"/>
-          </a:solidFill>
-          <a:ln>
-            <a:noFill/>
-          </a:ln>
-        </p:spPr>
-        <p:txBody>
-          <a:bodyPr spcFirstLastPara="1" wrap="square" lIns="91425" tIns="45700" rIns="91425" bIns="45700" anchor="ctr" anchorCtr="0">
-            <a:noAutofit/>
-          </a:bodyPr>
-          <a:lstStyle/>
-          <a:p>
-            <a:pPr marL="0" marR="0" lvl="0" indent="0" algn="ctr" rtl="0">
-              <a:spcBef>
-                <a:spcPts val="0"/>
-              </a:spcBef>
-              <a:spcAft>
-                <a:spcPts val="0"/>
-              </a:spcAft>
-              <a:buNone/>
-            </a:pPr>
-            <a:endParaRPr sz="1800" b="0" i="0" u="none" strike="noStrike" cap="none">
-              <a:solidFill>
-                <a:schemeClr val="lt1"/>
-              </a:solidFill>
-              <a:latin typeface="Rockwell"/>
-              <a:ea typeface="Rockwell"/>
-              <a:cs typeface="Rockwell"/>
-              <a:sym typeface="Rockwell"/>
-            </a:endParaRPr>
-          </a:p>
-        </p:txBody>
-      </p:sp>
-      <p:pic>
-        <p:nvPicPr>
-          <p:cNvPr id="201" name="Google Shape;201;p11" descr="Aguacates y pimientos en una tabla de cortar"/>
-          <p:cNvPicPr preferRelativeResize="0"/>
-          <p:nvPr/>
-        </p:nvPicPr>
-        <p:blipFill rotWithShape="1">
-          <a:blip r:embed="rId3">
-            <a:alphaModFix/>
-          </a:blip>
-          <a:srcRect/>
-          <a:stretch/>
-        </p:blipFill>
-        <p:spPr>
-          <a:xfrm>
-            <a:off x="20" y="10"/>
-            <a:ext cx="12191980" cy="6857989"/>
-          </a:xfrm>
-          <a:prstGeom prst="rect">
-            <a:avLst/>
-          </a:prstGeom>
-          <a:noFill/>
-          <a:ln>
-            <a:noFill/>
-          </a:ln>
-        </p:spPr>
-      </p:pic>
-      <p:sp>
-        <p:nvSpPr>
-          <p:cNvPr id="202" name="Google Shape;202;p11"/>
-          <p:cNvSpPr/>
-          <p:nvPr/>
-        </p:nvSpPr>
-        <p:spPr>
-          <a:xfrm>
-            <a:off x="0" y="1"/>
-            <a:ext cx="12192000" cy="6857999"/>
-          </a:xfrm>
-          <a:prstGeom prst="rect">
-            <a:avLst/>
-          </a:prstGeom>
-          <a:solidFill>
-            <a:schemeClr val="dk1">
-              <a:alpha val="20000"/>
-            </a:schemeClr>
-          </a:solidFill>
-          <a:ln>
-            <a:noFill/>
-          </a:ln>
-        </p:spPr>
-        <p:txBody>
-          <a:bodyPr spcFirstLastPara="1" wrap="square" lIns="91425" tIns="45700" rIns="91425" bIns="45700" anchor="ctr" anchorCtr="0">
-            <a:noAutofit/>
-          </a:bodyPr>
-          <a:lstStyle/>
-          <a:p>
-            <a:pPr marL="0" marR="0" lvl="0" indent="0" algn="ctr" rtl="0">
-              <a:spcBef>
-                <a:spcPts val="0"/>
-              </a:spcBef>
-              <a:spcAft>
-                <a:spcPts val="0"/>
-              </a:spcAft>
-              <a:buNone/>
-            </a:pPr>
-            <a:endParaRPr sz="1800" b="0" i="0" u="none" strike="noStrike" cap="none">
-              <a:solidFill>
-                <a:schemeClr val="lt1"/>
-              </a:solidFill>
-              <a:latin typeface="Rockwell"/>
-              <a:ea typeface="Rockwell"/>
-              <a:cs typeface="Rockwell"/>
-              <a:sym typeface="Rockwell"/>
-            </a:endParaRPr>
-          </a:p>
-        </p:txBody>
-      </p:sp>
-      <p:sp>
-        <p:nvSpPr>
-          <p:cNvPr id="203" name="Google Shape;203;p11"/>
-          <p:cNvSpPr/>
-          <p:nvPr/>
-        </p:nvSpPr>
-        <p:spPr>
-          <a:xfrm>
-            <a:off x="1524" y="0"/>
-            <a:ext cx="12188952" cy="6858000"/>
-          </a:xfrm>
-          <a:prstGeom prst="rect">
-            <a:avLst/>
-          </a:prstGeom>
-          <a:blipFill rotWithShape="1">
-            <a:blip r:embed="rId4">
-              <a:alphaModFix amt="30000"/>
-            </a:blip>
-            <a:tile tx="0" ty="-762000" sx="92000" sy="89000" flip="xy" algn="ctr"/>
-          </a:blipFill>
-          <a:ln>
-            <a:noFill/>
-          </a:ln>
-        </p:spPr>
-        <p:txBody>
-          <a:bodyPr spcFirstLastPara="1" wrap="square" lIns="91425" tIns="45700" rIns="91425" bIns="45700" anchor="ctr" anchorCtr="0">
-            <a:noAutofit/>
-          </a:bodyPr>
-          <a:lstStyle/>
-          <a:p>
-            <a:pPr marL="0" marR="0" lvl="0" indent="0" algn="ctr" rtl="0">
-              <a:spcBef>
-                <a:spcPts val="0"/>
-              </a:spcBef>
-              <a:spcAft>
-                <a:spcPts val="0"/>
-              </a:spcAft>
-              <a:buNone/>
-            </a:pPr>
-            <a:endParaRPr sz="1800" b="0" i="0" u="none" strike="noStrike" cap="none">
-              <a:solidFill>
-                <a:schemeClr val="lt1"/>
-              </a:solidFill>
-              <a:latin typeface="Rockwell"/>
-              <a:ea typeface="Rockwell"/>
-              <a:cs typeface="Rockwell"/>
-              <a:sym typeface="Rockwell"/>
-            </a:endParaRPr>
-          </a:p>
-        </p:txBody>
-      </p:sp>
-      <p:sp>
-        <p:nvSpPr>
-          <p:cNvPr id="204" name="Google Shape;204;p11"/>
-          <p:cNvSpPr txBox="1">
-            <a:spLocks noGrp="1"/>
-          </p:cNvSpPr>
-          <p:nvPr>
-            <p:ph type="ctrTitle"/>
-          </p:nvPr>
-        </p:nvSpPr>
-        <p:spPr>
-          <a:xfrm>
-            <a:off x="1051560" y="1432223"/>
-            <a:ext cx="9966960" cy="3035808"/>
-          </a:xfrm>
-          <a:prstGeom prst="rect">
-            <a:avLst/>
-          </a:prstGeom>
-          <a:noFill/>
-          <a:ln>
-            <a:noFill/>
-          </a:ln>
-        </p:spPr>
-        <p:txBody>
-          <a:bodyPr spcFirstLastPara="1" wrap="square" lIns="91425" tIns="45700" rIns="91425" bIns="45700" anchor="b" anchorCtr="0">
-            <a:normAutofit/>
-          </a:bodyPr>
-          <a:lstStyle/>
-          <a:p>
-            <a:pPr marL="0" lvl="0" indent="0" algn="l" rtl="0">
-              <a:lnSpc>
-                <a:spcPct val="80000"/>
-              </a:lnSpc>
-              <a:spcBef>
-                <a:spcPts val="0"/>
-              </a:spcBef>
-              <a:spcAft>
-                <a:spcPts val="0"/>
-              </a:spcAft>
-              <a:buClr>
-                <a:srgbClr val="FFFFFF"/>
-              </a:buClr>
-              <a:buSzPts val="9600"/>
-              <a:buFont typeface="Rockwell"/>
-              <a:buNone/>
-            </a:pPr>
-            <a:r>
-              <a:rPr lang="es-CO">
-                <a:solidFill>
-                  <a:srgbClr val="FFFFFF"/>
-                </a:solidFill>
-              </a:rPr>
-              <a:t>GRACIAS</a:t>
-            </a:r>
-            <a:endParaRPr/>
-          </a:p>
-        </p:txBody>
-      </p:sp>
-      <p:sp>
-        <p:nvSpPr>
-          <p:cNvPr id="205" name="Google Shape;205;p11"/>
-          <p:cNvSpPr txBox="1">
-            <a:spLocks noGrp="1"/>
-          </p:cNvSpPr>
-          <p:nvPr>
-            <p:ph type="subTitle" idx="1"/>
-          </p:nvPr>
-        </p:nvSpPr>
-        <p:spPr>
-          <a:xfrm>
-            <a:off x="1069848" y="4389120"/>
-            <a:ext cx="7891272" cy="1069848"/>
-          </a:xfrm>
-          <a:prstGeom prst="rect">
-            <a:avLst/>
-          </a:prstGeom>
-          <a:noFill/>
-          <a:ln>
-            <a:noFill/>
-          </a:ln>
-        </p:spPr>
-        <p:txBody>
-          <a:bodyPr spcFirstLastPara="1" wrap="square" lIns="91425" tIns="45700" rIns="91425" bIns="45700" anchor="t" anchorCtr="0">
-            <a:normAutofit/>
-          </a:bodyPr>
-          <a:lstStyle/>
-          <a:p>
-            <a:pPr marL="0" lvl="0" indent="0" algn="l" rtl="0">
-              <a:lnSpc>
-                <a:spcPct val="90000"/>
-              </a:lnSpc>
-              <a:spcBef>
-                <a:spcPts val="0"/>
-              </a:spcBef>
-              <a:spcAft>
-                <a:spcPts val="0"/>
-              </a:spcAft>
-              <a:buSzPts val="1870"/>
-              <a:buNone/>
-            </a:pPr>
-            <a:endParaRPr/>
-          </a:p>
-        </p:txBody>
-      </p:sp>
     </p:spTree>
   </p:cSld>
   <p:clrMapOvr>
